--- a/Recherches/Les paquets.pptx
+++ b/Recherches/Les paquets.pptx
@@ -9,6 +9,12 @@
     <p:sldId id="257" r:id="rId3"/>
     <p:sldId id="258" r:id="rId4"/>
     <p:sldId id="259" r:id="rId5"/>
+    <p:sldId id="260" r:id="rId6"/>
+    <p:sldId id="261" r:id="rId7"/>
+    <p:sldId id="262" r:id="rId8"/>
+    <p:sldId id="263" r:id="rId9"/>
+    <p:sldId id="264" r:id="rId10"/>
+    <p:sldId id="265" r:id="rId11"/>
   </p:sldIdLst>
   <p:sldSz cx="12192000" cy="6858000"/>
   <p:notesSz cx="6858000" cy="9144000"/>
@@ -3026,6 +3032,98 @@
 </p:sld>
 </file>
 
+<file path=ppt/slides/slide10.xml><?xml version="1.0" encoding="utf-8"?>
+<p:sld xmlns:a="http://schemas.openxmlformats.org/drawingml/2006/main" xmlns:r="http://schemas.openxmlformats.org/officeDocument/2006/relationships" xmlns:p="http://schemas.openxmlformats.org/presentationml/2006/main">
+  <p:cSld>
+    <p:spTree>
+      <p:nvGrpSpPr>
+        <p:cNvPr id="1" name=""/>
+        <p:cNvGrpSpPr/>
+        <p:nvPr/>
+      </p:nvGrpSpPr>
+      <p:grpSpPr>
+        <a:xfrm>
+          <a:off x="0" y="0"/>
+          <a:ext cx="0" cy="0"/>
+          <a:chOff x="0" y="0"/>
+          <a:chExt cx="0" cy="0"/>
+        </a:xfrm>
+      </p:grpSpPr>
+      <p:sp>
+        <p:nvSpPr>
+          <p:cNvPr id="2" name="Titre 1"/>
+          <p:cNvSpPr>
+            <a:spLocks noGrp="1"/>
+          </p:cNvSpPr>
+          <p:nvPr>
+            <p:ph type="title"/>
+          </p:nvPr>
+        </p:nvSpPr>
+        <p:spPr/>
+        <p:txBody>
+          <a:bodyPr/>
+          <a:lstStyle/>
+          <a:p>
+            <a:r>
+              <a:rPr lang="fr-FR" dirty="0" smtClean="0"/>
+              <a:t>Particularité de l’accueil</a:t>
+            </a:r>
+            <a:endParaRPr lang="fr-FR" dirty="0"/>
+          </a:p>
+        </p:txBody>
+      </p:sp>
+      <p:sp>
+        <p:nvSpPr>
+          <p:cNvPr id="3" name="Espace réservé du contenu 2"/>
+          <p:cNvSpPr>
+            <a:spLocks noGrp="1"/>
+          </p:cNvSpPr>
+          <p:nvPr>
+            <p:ph idx="1"/>
+          </p:nvPr>
+        </p:nvSpPr>
+        <p:spPr/>
+        <p:txBody>
+          <a:bodyPr/>
+          <a:lstStyle/>
+          <a:p>
+            <a:r>
+              <a:rPr lang="fr-FR" dirty="0" smtClean="0"/>
+              <a:t>L’accueil a besoin d’énormément d’informations</a:t>
+            </a:r>
+          </a:p>
+          <a:p>
+            <a:r>
+              <a:rPr lang="fr-FR" dirty="0" smtClean="0"/>
+              <a:t>Plutôt que de les préparer à l’avance, c’est l’accueil lui-même qui va en faire la demande lors de son initialisation</a:t>
+            </a:r>
+          </a:p>
+          <a:p>
+            <a:r>
+              <a:rPr lang="fr-FR" dirty="0" smtClean="0"/>
+              <a:t>Certaines données demanderont à </a:t>
+            </a:r>
+            <a:r>
+              <a:rPr lang="fr-FR" smtClean="0"/>
+              <a:t>être réactualisées</a:t>
+            </a:r>
+            <a:endParaRPr lang="fr-FR"/>
+          </a:p>
+        </p:txBody>
+      </p:sp>
+    </p:spTree>
+    <p:extLst>
+      <p:ext uri="{BB962C8B-B14F-4D97-AF65-F5344CB8AC3E}">
+        <p14:creationId xmlns:p14="http://schemas.microsoft.com/office/powerpoint/2010/main" val="628422160"/>
+      </p:ext>
+    </p:extLst>
+  </p:cSld>
+  <p:clrMapOvr>
+    <a:masterClrMapping/>
+  </p:clrMapOvr>
+</p:sld>
+</file>
+
 <file path=ppt/slides/slide2.xml><?xml version="1.0" encoding="utf-8"?>
 <p:sld xmlns:a="http://schemas.openxmlformats.org/drawingml/2006/main" xmlns:r="http://schemas.openxmlformats.org/officeDocument/2006/relationships" xmlns:p="http://schemas.openxmlformats.org/presentationml/2006/main">
   <p:cSld>
@@ -3278,7 +3376,7 @@
         <p:spPr/>
         <p:txBody>
           <a:bodyPr>
-            <a:normAutofit lnSpcReduction="10000"/>
+            <a:normAutofit fontScale="92500" lnSpcReduction="20000"/>
           </a:bodyPr>
           <a:lstStyle/>
           <a:p>
@@ -3331,10 +3429,15 @@
           </a:p>
           <a:p>
             <a:r>
-              <a:rPr lang="fr-FR" smtClean="0"/>
+              <a:rPr lang="fr-FR" dirty="0" smtClean="0"/>
               <a:t>News</a:t>
             </a:r>
-            <a:endParaRPr lang="fr-FR" dirty="0" smtClean="0"/>
+          </a:p>
+          <a:p>
+            <a:r>
+              <a:rPr lang="fr-FR" dirty="0" smtClean="0"/>
+              <a:t>Statistiques relatives aux serveur (connectés, parties etc..)</a:t>
+            </a:r>
           </a:p>
           <a:p>
             <a:endParaRPr lang="fr-FR" dirty="0" smtClean="0"/>
@@ -3351,6 +3454,1573 @@
     <p:extLst>
       <p:ext uri="{BB962C8B-B14F-4D97-AF65-F5344CB8AC3E}">
         <p14:creationId xmlns:p14="http://schemas.microsoft.com/office/powerpoint/2010/main" val="3094521391"/>
+      </p:ext>
+    </p:extLst>
+  </p:cSld>
+  <p:clrMapOvr>
+    <a:masterClrMapping/>
+  </p:clrMapOvr>
+</p:sld>
+</file>
+
+<file path=ppt/slides/slide5.xml><?xml version="1.0" encoding="utf-8"?>
+<p:sld xmlns:a="http://schemas.openxmlformats.org/drawingml/2006/main" xmlns:r="http://schemas.openxmlformats.org/officeDocument/2006/relationships" xmlns:p="http://schemas.openxmlformats.org/presentationml/2006/main">
+  <p:cSld>
+    <p:spTree>
+      <p:nvGrpSpPr>
+        <p:cNvPr id="1" name=""/>
+        <p:cNvGrpSpPr/>
+        <p:nvPr/>
+      </p:nvGrpSpPr>
+      <p:grpSpPr>
+        <a:xfrm>
+          <a:off x="0" y="0"/>
+          <a:ext cx="0" cy="0"/>
+          <a:chOff x="0" y="0"/>
+          <a:chExt cx="0" cy="0"/>
+        </a:xfrm>
+      </p:grpSpPr>
+      <p:sp>
+        <p:nvSpPr>
+          <p:cNvPr id="2" name="Titre 1"/>
+          <p:cNvSpPr>
+            <a:spLocks noGrp="1"/>
+          </p:cNvSpPr>
+          <p:nvPr>
+            <p:ph type="title"/>
+          </p:nvPr>
+        </p:nvSpPr>
+        <p:spPr/>
+        <p:txBody>
+          <a:bodyPr/>
+          <a:lstStyle/>
+          <a:p>
+            <a:r>
+              <a:rPr lang="fr-FR" dirty="0" smtClean="0"/>
+              <a:t>Différentes interfaces | Affichages</a:t>
+            </a:r>
+            <a:endParaRPr lang="fr-FR" dirty="0"/>
+          </a:p>
+        </p:txBody>
+      </p:sp>
+      <p:sp>
+        <p:nvSpPr>
+          <p:cNvPr id="3" name="Espace réservé du contenu 2"/>
+          <p:cNvSpPr>
+            <a:spLocks noGrp="1"/>
+          </p:cNvSpPr>
+          <p:nvPr>
+            <p:ph idx="1"/>
+          </p:nvPr>
+        </p:nvSpPr>
+        <p:spPr>
+          <a:xfrm>
+            <a:off x="838200" y="1825625"/>
+            <a:ext cx="3807941" cy="4351338"/>
+          </a:xfrm>
+        </p:spPr>
+        <p:txBody>
+          <a:bodyPr/>
+          <a:lstStyle/>
+          <a:p>
+            <a:r>
+              <a:rPr lang="fr-FR" dirty="0" smtClean="0"/>
+              <a:t>Accès au serveur</a:t>
+            </a:r>
+          </a:p>
+          <a:p>
+            <a:r>
+              <a:rPr lang="fr-FR" dirty="0" smtClean="0"/>
+              <a:t>Connexion</a:t>
+            </a:r>
+          </a:p>
+          <a:p>
+            <a:r>
+              <a:rPr lang="fr-FR" dirty="0" smtClean="0"/>
+              <a:t>Inscription</a:t>
+            </a:r>
+          </a:p>
+          <a:p>
+            <a:r>
+              <a:rPr lang="fr-FR" dirty="0" smtClean="0"/>
+              <a:t>Accueil</a:t>
+            </a:r>
+          </a:p>
+          <a:p>
+            <a:r>
+              <a:rPr lang="fr-FR" dirty="0" err="1" smtClean="0"/>
+              <a:t>Pre</a:t>
+            </a:r>
+            <a:r>
+              <a:rPr lang="fr-FR" dirty="0" smtClean="0"/>
+              <a:t>-Partie</a:t>
+            </a:r>
+          </a:p>
+          <a:p>
+            <a:r>
+              <a:rPr lang="fr-FR" dirty="0" smtClean="0"/>
+              <a:t>Partie</a:t>
+            </a:r>
+          </a:p>
+          <a:p>
+            <a:r>
+              <a:rPr lang="fr-FR" dirty="0" smtClean="0"/>
+              <a:t>Fin de partie</a:t>
+            </a:r>
+          </a:p>
+        </p:txBody>
+      </p:sp>
+      <p:sp>
+        <p:nvSpPr>
+          <p:cNvPr id="5" name="Espace réservé du contenu 2"/>
+          <p:cNvSpPr txBox="1">
+            <a:spLocks/>
+          </p:cNvSpPr>
+          <p:nvPr/>
+        </p:nvSpPr>
+        <p:spPr>
+          <a:xfrm>
+            <a:off x="6147485" y="1825625"/>
+            <a:ext cx="3807941" cy="4351338"/>
+          </a:xfrm>
+          <a:prstGeom prst="rect">
+            <a:avLst/>
+          </a:prstGeom>
+        </p:spPr>
+        <p:txBody>
+          <a:bodyPr vert="horz" lIns="91440" tIns="45720" rIns="91440" bIns="45720" rtlCol="0">
+            <a:normAutofit/>
+          </a:bodyPr>
+          <a:lstStyle>
+            <a:lvl1pPr marL="228600" indent="-228600" algn="l" defTabSz="914400" rtl="0" eaLnBrk="1" latinLnBrk="0" hangingPunct="1">
+              <a:lnSpc>
+                <a:spcPct val="90000"/>
+              </a:lnSpc>
+              <a:spcBef>
+                <a:spcPts val="1000"/>
+              </a:spcBef>
+              <a:buFont typeface="Arial" panose="020B0604020202020204" pitchFamily="34" charset="0"/>
+              <a:buChar char="•"/>
+              <a:defRPr sz="2800" kern="1200">
+                <a:solidFill>
+                  <a:schemeClr val="tx1"/>
+                </a:solidFill>
+                <a:latin typeface="+mn-lt"/>
+                <a:ea typeface="+mn-ea"/>
+                <a:cs typeface="+mn-cs"/>
+              </a:defRPr>
+            </a:lvl1pPr>
+            <a:lvl2pPr marL="685800" indent="-228600" algn="l" defTabSz="914400" rtl="0" eaLnBrk="1" latinLnBrk="0" hangingPunct="1">
+              <a:lnSpc>
+                <a:spcPct val="90000"/>
+              </a:lnSpc>
+              <a:spcBef>
+                <a:spcPts val="500"/>
+              </a:spcBef>
+              <a:buFont typeface="Arial" panose="020B0604020202020204" pitchFamily="34" charset="0"/>
+              <a:buChar char="•"/>
+              <a:defRPr sz="2400" kern="1200">
+                <a:solidFill>
+                  <a:schemeClr val="tx1"/>
+                </a:solidFill>
+                <a:latin typeface="+mn-lt"/>
+                <a:ea typeface="+mn-ea"/>
+                <a:cs typeface="+mn-cs"/>
+              </a:defRPr>
+            </a:lvl2pPr>
+            <a:lvl3pPr marL="1143000" indent="-228600" algn="l" defTabSz="914400" rtl="0" eaLnBrk="1" latinLnBrk="0" hangingPunct="1">
+              <a:lnSpc>
+                <a:spcPct val="90000"/>
+              </a:lnSpc>
+              <a:spcBef>
+                <a:spcPts val="500"/>
+              </a:spcBef>
+              <a:buFont typeface="Arial" panose="020B0604020202020204" pitchFamily="34" charset="0"/>
+              <a:buChar char="•"/>
+              <a:defRPr sz="2000" kern="1200">
+                <a:solidFill>
+                  <a:schemeClr val="tx1"/>
+                </a:solidFill>
+                <a:latin typeface="+mn-lt"/>
+                <a:ea typeface="+mn-ea"/>
+                <a:cs typeface="+mn-cs"/>
+              </a:defRPr>
+            </a:lvl3pPr>
+            <a:lvl4pPr marL="1600200" indent="-228600" algn="l" defTabSz="914400" rtl="0" eaLnBrk="1" latinLnBrk="0" hangingPunct="1">
+              <a:lnSpc>
+                <a:spcPct val="90000"/>
+              </a:lnSpc>
+              <a:spcBef>
+                <a:spcPts val="500"/>
+              </a:spcBef>
+              <a:buFont typeface="Arial" panose="020B0604020202020204" pitchFamily="34" charset="0"/>
+              <a:buChar char="•"/>
+              <a:defRPr sz="1800" kern="1200">
+                <a:solidFill>
+                  <a:schemeClr val="tx1"/>
+                </a:solidFill>
+                <a:latin typeface="+mn-lt"/>
+                <a:ea typeface="+mn-ea"/>
+                <a:cs typeface="+mn-cs"/>
+              </a:defRPr>
+            </a:lvl4pPr>
+            <a:lvl5pPr marL="2057400" indent="-228600" algn="l" defTabSz="914400" rtl="0" eaLnBrk="1" latinLnBrk="0" hangingPunct="1">
+              <a:lnSpc>
+                <a:spcPct val="90000"/>
+              </a:lnSpc>
+              <a:spcBef>
+                <a:spcPts val="500"/>
+              </a:spcBef>
+              <a:buFont typeface="Arial" panose="020B0604020202020204" pitchFamily="34" charset="0"/>
+              <a:buChar char="•"/>
+              <a:defRPr sz="1800" kern="1200">
+                <a:solidFill>
+                  <a:schemeClr val="tx1"/>
+                </a:solidFill>
+                <a:latin typeface="+mn-lt"/>
+                <a:ea typeface="+mn-ea"/>
+                <a:cs typeface="+mn-cs"/>
+              </a:defRPr>
+            </a:lvl5pPr>
+            <a:lvl6pPr marL="2514600" indent="-228600" algn="l" defTabSz="914400" rtl="0" eaLnBrk="1" latinLnBrk="0" hangingPunct="1">
+              <a:lnSpc>
+                <a:spcPct val="90000"/>
+              </a:lnSpc>
+              <a:spcBef>
+                <a:spcPts val="500"/>
+              </a:spcBef>
+              <a:buFont typeface="Arial" panose="020B0604020202020204" pitchFamily="34" charset="0"/>
+              <a:buChar char="•"/>
+              <a:defRPr sz="1800" kern="1200">
+                <a:solidFill>
+                  <a:schemeClr val="tx1"/>
+                </a:solidFill>
+                <a:latin typeface="+mn-lt"/>
+                <a:ea typeface="+mn-ea"/>
+                <a:cs typeface="+mn-cs"/>
+              </a:defRPr>
+            </a:lvl6pPr>
+            <a:lvl7pPr marL="2971800" indent="-228600" algn="l" defTabSz="914400" rtl="0" eaLnBrk="1" latinLnBrk="0" hangingPunct="1">
+              <a:lnSpc>
+                <a:spcPct val="90000"/>
+              </a:lnSpc>
+              <a:spcBef>
+                <a:spcPts val="500"/>
+              </a:spcBef>
+              <a:buFont typeface="Arial" panose="020B0604020202020204" pitchFamily="34" charset="0"/>
+              <a:buChar char="•"/>
+              <a:defRPr sz="1800" kern="1200">
+                <a:solidFill>
+                  <a:schemeClr val="tx1"/>
+                </a:solidFill>
+                <a:latin typeface="+mn-lt"/>
+                <a:ea typeface="+mn-ea"/>
+                <a:cs typeface="+mn-cs"/>
+              </a:defRPr>
+            </a:lvl7pPr>
+            <a:lvl8pPr marL="3429000" indent="-228600" algn="l" defTabSz="914400" rtl="0" eaLnBrk="1" latinLnBrk="0" hangingPunct="1">
+              <a:lnSpc>
+                <a:spcPct val="90000"/>
+              </a:lnSpc>
+              <a:spcBef>
+                <a:spcPts val="500"/>
+              </a:spcBef>
+              <a:buFont typeface="Arial" panose="020B0604020202020204" pitchFamily="34" charset="0"/>
+              <a:buChar char="•"/>
+              <a:defRPr sz="1800" kern="1200">
+                <a:solidFill>
+                  <a:schemeClr val="tx1"/>
+                </a:solidFill>
+                <a:latin typeface="+mn-lt"/>
+                <a:ea typeface="+mn-ea"/>
+                <a:cs typeface="+mn-cs"/>
+              </a:defRPr>
+            </a:lvl8pPr>
+            <a:lvl9pPr marL="3886200" indent="-228600" algn="l" defTabSz="914400" rtl="0" eaLnBrk="1" latinLnBrk="0" hangingPunct="1">
+              <a:lnSpc>
+                <a:spcPct val="90000"/>
+              </a:lnSpc>
+              <a:spcBef>
+                <a:spcPts val="500"/>
+              </a:spcBef>
+              <a:buFont typeface="Arial" panose="020B0604020202020204" pitchFamily="34" charset="0"/>
+              <a:buChar char="•"/>
+              <a:defRPr sz="1800" kern="1200">
+                <a:solidFill>
+                  <a:schemeClr val="tx1"/>
+                </a:solidFill>
+                <a:latin typeface="+mn-lt"/>
+                <a:ea typeface="+mn-ea"/>
+                <a:cs typeface="+mn-cs"/>
+              </a:defRPr>
+            </a:lvl9pPr>
+          </a:lstStyle>
+          <a:p>
+            <a:r>
+              <a:rPr lang="fr-FR" dirty="0" smtClean="0"/>
+              <a:t>News 1</a:t>
+            </a:r>
+          </a:p>
+          <a:p>
+            <a:r>
+              <a:rPr lang="fr-FR" dirty="0" smtClean="0"/>
+              <a:t>News 2</a:t>
+            </a:r>
+          </a:p>
+          <a:p>
+            <a:r>
+              <a:rPr lang="fr-FR" dirty="0" smtClean="0"/>
+              <a:t>Perso</a:t>
+            </a:r>
+          </a:p>
+          <a:p>
+            <a:r>
+              <a:rPr lang="fr-FR" dirty="0" smtClean="0"/>
+              <a:t>Classement</a:t>
+            </a:r>
+          </a:p>
+          <a:p>
+            <a:r>
+              <a:rPr lang="fr-FR" dirty="0" smtClean="0"/>
+              <a:t>Amis</a:t>
+            </a:r>
+            <a:endParaRPr lang="fr-FR" dirty="0"/>
+          </a:p>
+        </p:txBody>
+      </p:sp>
+    </p:spTree>
+    <p:extLst>
+      <p:ext uri="{BB962C8B-B14F-4D97-AF65-F5344CB8AC3E}">
+        <p14:creationId xmlns:p14="http://schemas.microsoft.com/office/powerpoint/2010/main" val="222231340"/>
+      </p:ext>
+    </p:extLst>
+  </p:cSld>
+  <p:clrMapOvr>
+    <a:masterClrMapping/>
+  </p:clrMapOvr>
+</p:sld>
+</file>
+
+<file path=ppt/slides/slide6.xml><?xml version="1.0" encoding="utf-8"?>
+<p:sld xmlns:a="http://schemas.openxmlformats.org/drawingml/2006/main" xmlns:r="http://schemas.openxmlformats.org/officeDocument/2006/relationships" xmlns:p="http://schemas.openxmlformats.org/presentationml/2006/main">
+  <p:cSld>
+    <p:spTree>
+      <p:nvGrpSpPr>
+        <p:cNvPr id="1" name=""/>
+        <p:cNvGrpSpPr/>
+        <p:nvPr/>
+      </p:nvGrpSpPr>
+      <p:grpSpPr>
+        <a:xfrm>
+          <a:off x="0" y="0"/>
+          <a:ext cx="0" cy="0"/>
+          <a:chOff x="0" y="0"/>
+          <a:chExt cx="0" cy="0"/>
+        </a:xfrm>
+      </p:grpSpPr>
+      <p:sp>
+        <p:nvSpPr>
+          <p:cNvPr id="2" name="Titre 1"/>
+          <p:cNvSpPr>
+            <a:spLocks noGrp="1"/>
+          </p:cNvSpPr>
+          <p:nvPr>
+            <p:ph type="title"/>
+          </p:nvPr>
+        </p:nvSpPr>
+        <p:spPr/>
+        <p:txBody>
+          <a:bodyPr/>
+          <a:lstStyle/>
+          <a:p>
+            <a:r>
+              <a:rPr lang="fr-FR" dirty="0" smtClean="0"/>
+              <a:t>Différentes interfaces - Chemin</a:t>
+            </a:r>
+            <a:endParaRPr lang="fr-FR" dirty="0"/>
+          </a:p>
+        </p:txBody>
+      </p:sp>
+      <p:sp>
+        <p:nvSpPr>
+          <p:cNvPr id="4" name="Rectangle 3"/>
+          <p:cNvSpPr/>
+          <p:nvPr/>
+        </p:nvSpPr>
+        <p:spPr>
+          <a:xfrm>
+            <a:off x="2314832" y="2561964"/>
+            <a:ext cx="914400" cy="708454"/>
+          </a:xfrm>
+          <a:prstGeom prst="rect">
+            <a:avLst/>
+          </a:prstGeom>
+        </p:spPr>
+        <p:style>
+          <a:lnRef idx="2">
+            <a:schemeClr val="accent1">
+              <a:shade val="50000"/>
+            </a:schemeClr>
+          </a:lnRef>
+          <a:fillRef idx="1">
+            <a:schemeClr val="accent1"/>
+          </a:fillRef>
+          <a:effectRef idx="0">
+            <a:schemeClr val="accent1"/>
+          </a:effectRef>
+          <a:fontRef idx="minor">
+            <a:schemeClr val="lt1"/>
+          </a:fontRef>
+        </p:style>
+        <p:txBody>
+          <a:bodyPr rtlCol="0" anchor="ctr"/>
+          <a:lstStyle/>
+          <a:p>
+            <a:pPr algn="ctr"/>
+            <a:r>
+              <a:rPr lang="fr-FR" dirty="0" err="1" smtClean="0"/>
+              <a:t>Acces</a:t>
+            </a:r>
+            <a:r>
+              <a:rPr lang="fr-FR" dirty="0" smtClean="0"/>
+              <a:t> serveur</a:t>
+            </a:r>
+            <a:endParaRPr lang="fr-FR" dirty="0"/>
+          </a:p>
+        </p:txBody>
+      </p:sp>
+      <p:cxnSp>
+        <p:nvCxnSpPr>
+          <p:cNvPr id="6" name="Connecteur droit avec flèche 5"/>
+          <p:cNvCxnSpPr>
+            <a:endCxn id="4" idx="1"/>
+          </p:cNvCxnSpPr>
+          <p:nvPr/>
+        </p:nvCxnSpPr>
+        <p:spPr>
+          <a:xfrm>
+            <a:off x="1672280" y="2916191"/>
+            <a:ext cx="642552" cy="0"/>
+          </a:xfrm>
+          <a:prstGeom prst="straightConnector1">
+            <a:avLst/>
+          </a:prstGeom>
+          <a:ln>
+            <a:tailEnd type="triangle"/>
+          </a:ln>
+        </p:spPr>
+        <p:style>
+          <a:lnRef idx="1">
+            <a:schemeClr val="accent1"/>
+          </a:lnRef>
+          <a:fillRef idx="0">
+            <a:schemeClr val="accent1"/>
+          </a:fillRef>
+          <a:effectRef idx="0">
+            <a:schemeClr val="accent1"/>
+          </a:effectRef>
+          <a:fontRef idx="minor">
+            <a:schemeClr val="tx1"/>
+          </a:fontRef>
+        </p:style>
+      </p:cxnSp>
+      <p:sp>
+        <p:nvSpPr>
+          <p:cNvPr id="8" name="ZoneTexte 7"/>
+          <p:cNvSpPr txBox="1"/>
+          <p:nvPr/>
+        </p:nvSpPr>
+        <p:spPr>
+          <a:xfrm>
+            <a:off x="222422" y="2718483"/>
+            <a:ext cx="1664043" cy="369332"/>
+          </a:xfrm>
+          <a:prstGeom prst="rect">
+            <a:avLst/>
+          </a:prstGeom>
+          <a:noFill/>
+        </p:spPr>
+        <p:txBody>
+          <a:bodyPr wrap="square" rtlCol="0">
+            <a:spAutoFit/>
+          </a:bodyPr>
+          <a:lstStyle/>
+          <a:p>
+            <a:r>
+              <a:rPr lang="fr-FR" dirty="0" smtClean="0"/>
+              <a:t>Point d’entrée</a:t>
+            </a:r>
+            <a:endParaRPr lang="fr-FR" dirty="0"/>
+          </a:p>
+        </p:txBody>
+      </p:sp>
+      <p:cxnSp>
+        <p:nvCxnSpPr>
+          <p:cNvPr id="9" name="Connecteur droit avec flèche 8"/>
+          <p:cNvCxnSpPr>
+            <a:stCxn id="4" idx="3"/>
+            <a:endCxn id="10" idx="1"/>
+          </p:cNvCxnSpPr>
+          <p:nvPr/>
+        </p:nvCxnSpPr>
+        <p:spPr>
+          <a:xfrm>
+            <a:off x="3229232" y="2916191"/>
+            <a:ext cx="675500" cy="0"/>
+          </a:xfrm>
+          <a:prstGeom prst="straightConnector1">
+            <a:avLst/>
+          </a:prstGeom>
+          <a:ln>
+            <a:tailEnd type="triangle"/>
+          </a:ln>
+        </p:spPr>
+        <p:style>
+          <a:lnRef idx="1">
+            <a:schemeClr val="accent1"/>
+          </a:lnRef>
+          <a:fillRef idx="0">
+            <a:schemeClr val="accent1"/>
+          </a:fillRef>
+          <a:effectRef idx="0">
+            <a:schemeClr val="accent1"/>
+          </a:effectRef>
+          <a:fontRef idx="minor">
+            <a:schemeClr val="tx1"/>
+          </a:fontRef>
+        </p:style>
+      </p:cxnSp>
+      <p:sp>
+        <p:nvSpPr>
+          <p:cNvPr id="10" name="Rectangle 9"/>
+          <p:cNvSpPr/>
+          <p:nvPr/>
+        </p:nvSpPr>
+        <p:spPr>
+          <a:xfrm>
+            <a:off x="3904732" y="2561964"/>
+            <a:ext cx="914400" cy="708454"/>
+          </a:xfrm>
+          <a:prstGeom prst="rect">
+            <a:avLst/>
+          </a:prstGeom>
+        </p:spPr>
+        <p:style>
+          <a:lnRef idx="2">
+            <a:schemeClr val="accent1">
+              <a:shade val="50000"/>
+            </a:schemeClr>
+          </a:lnRef>
+          <a:fillRef idx="1">
+            <a:schemeClr val="accent1"/>
+          </a:fillRef>
+          <a:effectRef idx="0">
+            <a:schemeClr val="accent1"/>
+          </a:effectRef>
+          <a:fontRef idx="minor">
+            <a:schemeClr val="lt1"/>
+          </a:fontRef>
+        </p:style>
+        <p:txBody>
+          <a:bodyPr rtlCol="0" anchor="ctr"/>
+          <a:lstStyle/>
+          <a:p>
+            <a:pPr algn="ctr"/>
+            <a:r>
+              <a:rPr lang="fr-FR" sz="1200" dirty="0" smtClean="0"/>
+              <a:t>Connexion</a:t>
+            </a:r>
+            <a:endParaRPr lang="fr-FR" sz="1200" dirty="0"/>
+          </a:p>
+        </p:txBody>
+      </p:sp>
+      <p:sp>
+        <p:nvSpPr>
+          <p:cNvPr id="11" name="Rectangle 10"/>
+          <p:cNvSpPr/>
+          <p:nvPr/>
+        </p:nvSpPr>
+        <p:spPr>
+          <a:xfrm>
+            <a:off x="3904732" y="3521672"/>
+            <a:ext cx="914400" cy="708454"/>
+          </a:xfrm>
+          <a:prstGeom prst="rect">
+            <a:avLst/>
+          </a:prstGeom>
+        </p:spPr>
+        <p:style>
+          <a:lnRef idx="2">
+            <a:schemeClr val="accent1">
+              <a:shade val="50000"/>
+            </a:schemeClr>
+          </a:lnRef>
+          <a:fillRef idx="1">
+            <a:schemeClr val="accent1"/>
+          </a:fillRef>
+          <a:effectRef idx="0">
+            <a:schemeClr val="accent1"/>
+          </a:effectRef>
+          <a:fontRef idx="minor">
+            <a:schemeClr val="lt1"/>
+          </a:fontRef>
+        </p:style>
+        <p:txBody>
+          <a:bodyPr rtlCol="0" anchor="ctr"/>
+          <a:lstStyle/>
+          <a:p>
+            <a:pPr algn="ctr"/>
+            <a:r>
+              <a:rPr lang="fr-FR" sz="1200" dirty="0" smtClean="0"/>
+              <a:t>Inscription</a:t>
+            </a:r>
+            <a:endParaRPr lang="fr-FR" sz="1200" dirty="0"/>
+          </a:p>
+        </p:txBody>
+      </p:sp>
+      <p:cxnSp>
+        <p:nvCxnSpPr>
+          <p:cNvPr id="13" name="Connecteur droit avec flèche 12"/>
+          <p:cNvCxnSpPr/>
+          <p:nvPr/>
+        </p:nvCxnSpPr>
+        <p:spPr>
+          <a:xfrm>
+            <a:off x="4320742" y="3270418"/>
+            <a:ext cx="0" cy="251254"/>
+          </a:xfrm>
+          <a:prstGeom prst="straightConnector1">
+            <a:avLst/>
+          </a:prstGeom>
+          <a:ln>
+            <a:tailEnd type="triangle"/>
+          </a:ln>
+        </p:spPr>
+        <p:style>
+          <a:lnRef idx="1">
+            <a:schemeClr val="accent1"/>
+          </a:lnRef>
+          <a:fillRef idx="0">
+            <a:schemeClr val="accent1"/>
+          </a:fillRef>
+          <a:effectRef idx="0">
+            <a:schemeClr val="accent1"/>
+          </a:effectRef>
+          <a:fontRef idx="minor">
+            <a:schemeClr val="tx1"/>
+          </a:fontRef>
+        </p:style>
+      </p:cxnSp>
+      <p:cxnSp>
+        <p:nvCxnSpPr>
+          <p:cNvPr id="14" name="Connecteur droit avec flèche 13"/>
+          <p:cNvCxnSpPr/>
+          <p:nvPr/>
+        </p:nvCxnSpPr>
+        <p:spPr>
+          <a:xfrm flipV="1">
+            <a:off x="4423715" y="3270418"/>
+            <a:ext cx="0" cy="251254"/>
+          </a:xfrm>
+          <a:prstGeom prst="straightConnector1">
+            <a:avLst/>
+          </a:prstGeom>
+          <a:ln>
+            <a:tailEnd type="triangle"/>
+          </a:ln>
+        </p:spPr>
+        <p:style>
+          <a:lnRef idx="1">
+            <a:schemeClr val="accent1"/>
+          </a:lnRef>
+          <a:fillRef idx="0">
+            <a:schemeClr val="accent1"/>
+          </a:fillRef>
+          <a:effectRef idx="0">
+            <a:schemeClr val="accent1"/>
+          </a:effectRef>
+          <a:fontRef idx="minor">
+            <a:schemeClr val="tx1"/>
+          </a:fontRef>
+        </p:style>
+      </p:cxnSp>
+      <p:sp>
+        <p:nvSpPr>
+          <p:cNvPr id="15" name="Rectangle 14"/>
+          <p:cNvSpPr/>
+          <p:nvPr/>
+        </p:nvSpPr>
+        <p:spPr>
+          <a:xfrm>
+            <a:off x="5494632" y="2561964"/>
+            <a:ext cx="914400" cy="708454"/>
+          </a:xfrm>
+          <a:prstGeom prst="rect">
+            <a:avLst/>
+          </a:prstGeom>
+        </p:spPr>
+        <p:style>
+          <a:lnRef idx="2">
+            <a:schemeClr val="accent1">
+              <a:shade val="50000"/>
+            </a:schemeClr>
+          </a:lnRef>
+          <a:fillRef idx="1">
+            <a:schemeClr val="accent1"/>
+          </a:fillRef>
+          <a:effectRef idx="0">
+            <a:schemeClr val="accent1"/>
+          </a:effectRef>
+          <a:fontRef idx="minor">
+            <a:schemeClr val="lt1"/>
+          </a:fontRef>
+        </p:style>
+        <p:txBody>
+          <a:bodyPr rtlCol="0" anchor="ctr"/>
+          <a:lstStyle/>
+          <a:p>
+            <a:pPr algn="ctr"/>
+            <a:r>
+              <a:rPr lang="fr-FR" sz="1200" dirty="0" smtClean="0"/>
+              <a:t>Accueil</a:t>
+            </a:r>
+            <a:endParaRPr lang="fr-FR" sz="1200" dirty="0"/>
+          </a:p>
+        </p:txBody>
+      </p:sp>
+      <p:cxnSp>
+        <p:nvCxnSpPr>
+          <p:cNvPr id="16" name="Connecteur droit avec flèche 15"/>
+          <p:cNvCxnSpPr>
+            <a:stCxn id="10" idx="3"/>
+            <a:endCxn id="15" idx="1"/>
+          </p:cNvCxnSpPr>
+          <p:nvPr/>
+        </p:nvCxnSpPr>
+        <p:spPr>
+          <a:xfrm>
+            <a:off x="4819132" y="2916191"/>
+            <a:ext cx="675500" cy="0"/>
+          </a:xfrm>
+          <a:prstGeom prst="straightConnector1">
+            <a:avLst/>
+          </a:prstGeom>
+          <a:ln>
+            <a:tailEnd type="triangle"/>
+          </a:ln>
+        </p:spPr>
+        <p:style>
+          <a:lnRef idx="1">
+            <a:schemeClr val="accent1"/>
+          </a:lnRef>
+          <a:fillRef idx="0">
+            <a:schemeClr val="accent1"/>
+          </a:fillRef>
+          <a:effectRef idx="0">
+            <a:schemeClr val="accent1"/>
+          </a:effectRef>
+          <a:fontRef idx="minor">
+            <a:schemeClr val="tx1"/>
+          </a:fontRef>
+        </p:style>
+      </p:cxnSp>
+      <p:cxnSp>
+        <p:nvCxnSpPr>
+          <p:cNvPr id="21" name="Connecteur droit avec flèche 20"/>
+          <p:cNvCxnSpPr>
+            <a:stCxn id="11" idx="3"/>
+            <a:endCxn id="15" idx="1"/>
+          </p:cNvCxnSpPr>
+          <p:nvPr/>
+        </p:nvCxnSpPr>
+        <p:spPr>
+          <a:xfrm flipV="1">
+            <a:off x="4819132" y="2916191"/>
+            <a:ext cx="675500" cy="959708"/>
+          </a:xfrm>
+          <a:prstGeom prst="straightConnector1">
+            <a:avLst/>
+          </a:prstGeom>
+          <a:ln>
+            <a:tailEnd type="triangle"/>
+          </a:ln>
+        </p:spPr>
+        <p:style>
+          <a:lnRef idx="1">
+            <a:schemeClr val="accent1"/>
+          </a:lnRef>
+          <a:fillRef idx="0">
+            <a:schemeClr val="accent1"/>
+          </a:fillRef>
+          <a:effectRef idx="0">
+            <a:schemeClr val="accent1"/>
+          </a:effectRef>
+          <a:fontRef idx="minor">
+            <a:schemeClr val="tx1"/>
+          </a:fontRef>
+        </p:style>
+      </p:cxnSp>
+      <p:sp>
+        <p:nvSpPr>
+          <p:cNvPr id="24" name="Rectangle 23"/>
+          <p:cNvSpPr/>
+          <p:nvPr/>
+        </p:nvSpPr>
+        <p:spPr>
+          <a:xfrm>
+            <a:off x="7084532" y="2548922"/>
+            <a:ext cx="914400" cy="708454"/>
+          </a:xfrm>
+          <a:prstGeom prst="rect">
+            <a:avLst/>
+          </a:prstGeom>
+        </p:spPr>
+        <p:style>
+          <a:lnRef idx="2">
+            <a:schemeClr val="accent1">
+              <a:shade val="50000"/>
+            </a:schemeClr>
+          </a:lnRef>
+          <a:fillRef idx="1">
+            <a:schemeClr val="accent1"/>
+          </a:fillRef>
+          <a:effectRef idx="0">
+            <a:schemeClr val="accent1"/>
+          </a:effectRef>
+          <a:fontRef idx="minor">
+            <a:schemeClr val="lt1"/>
+          </a:fontRef>
+        </p:style>
+        <p:txBody>
+          <a:bodyPr rtlCol="0" anchor="ctr"/>
+          <a:lstStyle/>
+          <a:p>
+            <a:pPr algn="ctr"/>
+            <a:r>
+              <a:rPr lang="fr-FR" sz="1200" dirty="0" err="1" smtClean="0"/>
+              <a:t>Pre</a:t>
+            </a:r>
+            <a:r>
+              <a:rPr lang="fr-FR" sz="1200" dirty="0" smtClean="0"/>
+              <a:t>-Partie</a:t>
+            </a:r>
+            <a:endParaRPr lang="fr-FR" sz="1200" dirty="0"/>
+          </a:p>
+        </p:txBody>
+      </p:sp>
+      <p:sp>
+        <p:nvSpPr>
+          <p:cNvPr id="25" name="Rectangle 24"/>
+          <p:cNvSpPr/>
+          <p:nvPr/>
+        </p:nvSpPr>
+        <p:spPr>
+          <a:xfrm>
+            <a:off x="8674432" y="2548922"/>
+            <a:ext cx="914400" cy="708454"/>
+          </a:xfrm>
+          <a:prstGeom prst="rect">
+            <a:avLst/>
+          </a:prstGeom>
+        </p:spPr>
+        <p:style>
+          <a:lnRef idx="2">
+            <a:schemeClr val="accent1">
+              <a:shade val="50000"/>
+            </a:schemeClr>
+          </a:lnRef>
+          <a:fillRef idx="1">
+            <a:schemeClr val="accent1"/>
+          </a:fillRef>
+          <a:effectRef idx="0">
+            <a:schemeClr val="accent1"/>
+          </a:effectRef>
+          <a:fontRef idx="minor">
+            <a:schemeClr val="lt1"/>
+          </a:fontRef>
+        </p:style>
+        <p:txBody>
+          <a:bodyPr rtlCol="0" anchor="ctr"/>
+          <a:lstStyle/>
+          <a:p>
+            <a:pPr algn="ctr"/>
+            <a:r>
+              <a:rPr lang="fr-FR" sz="1200" dirty="0" smtClean="0"/>
+              <a:t>Partie</a:t>
+            </a:r>
+            <a:endParaRPr lang="fr-FR" sz="1200" dirty="0"/>
+          </a:p>
+        </p:txBody>
+      </p:sp>
+      <p:sp>
+        <p:nvSpPr>
+          <p:cNvPr id="26" name="Rectangle 25"/>
+          <p:cNvSpPr/>
+          <p:nvPr/>
+        </p:nvSpPr>
+        <p:spPr>
+          <a:xfrm>
+            <a:off x="10264332" y="2548922"/>
+            <a:ext cx="914400" cy="708454"/>
+          </a:xfrm>
+          <a:prstGeom prst="rect">
+            <a:avLst/>
+          </a:prstGeom>
+        </p:spPr>
+        <p:style>
+          <a:lnRef idx="2">
+            <a:schemeClr val="accent1">
+              <a:shade val="50000"/>
+            </a:schemeClr>
+          </a:lnRef>
+          <a:fillRef idx="1">
+            <a:schemeClr val="accent1"/>
+          </a:fillRef>
+          <a:effectRef idx="0">
+            <a:schemeClr val="accent1"/>
+          </a:effectRef>
+          <a:fontRef idx="minor">
+            <a:schemeClr val="lt1"/>
+          </a:fontRef>
+        </p:style>
+        <p:txBody>
+          <a:bodyPr rtlCol="0" anchor="ctr"/>
+          <a:lstStyle/>
+          <a:p>
+            <a:pPr algn="ctr"/>
+            <a:r>
+              <a:rPr lang="fr-FR" sz="1200" dirty="0" smtClean="0"/>
+              <a:t>Fin Partie</a:t>
+            </a:r>
+            <a:endParaRPr lang="fr-FR" sz="1200" dirty="0"/>
+          </a:p>
+        </p:txBody>
+      </p:sp>
+      <p:cxnSp>
+        <p:nvCxnSpPr>
+          <p:cNvPr id="27" name="Connecteur droit avec flèche 26"/>
+          <p:cNvCxnSpPr/>
+          <p:nvPr/>
+        </p:nvCxnSpPr>
+        <p:spPr>
+          <a:xfrm>
+            <a:off x="6409032" y="2923743"/>
+            <a:ext cx="675500" cy="0"/>
+          </a:xfrm>
+          <a:prstGeom prst="straightConnector1">
+            <a:avLst/>
+          </a:prstGeom>
+          <a:ln>
+            <a:tailEnd type="triangle"/>
+          </a:ln>
+        </p:spPr>
+        <p:style>
+          <a:lnRef idx="1">
+            <a:schemeClr val="accent1"/>
+          </a:lnRef>
+          <a:fillRef idx="0">
+            <a:schemeClr val="accent1"/>
+          </a:fillRef>
+          <a:effectRef idx="0">
+            <a:schemeClr val="accent1"/>
+          </a:effectRef>
+          <a:fontRef idx="minor">
+            <a:schemeClr val="tx1"/>
+          </a:fontRef>
+        </p:style>
+      </p:cxnSp>
+      <p:cxnSp>
+        <p:nvCxnSpPr>
+          <p:cNvPr id="28" name="Connecteur droit avec flèche 27"/>
+          <p:cNvCxnSpPr/>
+          <p:nvPr/>
+        </p:nvCxnSpPr>
+        <p:spPr>
+          <a:xfrm>
+            <a:off x="7998932" y="2916191"/>
+            <a:ext cx="675500" cy="0"/>
+          </a:xfrm>
+          <a:prstGeom prst="straightConnector1">
+            <a:avLst/>
+          </a:prstGeom>
+          <a:ln>
+            <a:tailEnd type="triangle"/>
+          </a:ln>
+        </p:spPr>
+        <p:style>
+          <a:lnRef idx="1">
+            <a:schemeClr val="accent1"/>
+          </a:lnRef>
+          <a:fillRef idx="0">
+            <a:schemeClr val="accent1"/>
+          </a:fillRef>
+          <a:effectRef idx="0">
+            <a:schemeClr val="accent1"/>
+          </a:effectRef>
+          <a:fontRef idx="minor">
+            <a:schemeClr val="tx1"/>
+          </a:fontRef>
+        </p:style>
+      </p:cxnSp>
+      <p:cxnSp>
+        <p:nvCxnSpPr>
+          <p:cNvPr id="29" name="Connecteur droit avec flèche 28"/>
+          <p:cNvCxnSpPr/>
+          <p:nvPr/>
+        </p:nvCxnSpPr>
+        <p:spPr>
+          <a:xfrm>
+            <a:off x="9588832" y="2895596"/>
+            <a:ext cx="675500" cy="0"/>
+          </a:xfrm>
+          <a:prstGeom prst="straightConnector1">
+            <a:avLst/>
+          </a:prstGeom>
+          <a:ln>
+            <a:tailEnd type="triangle"/>
+          </a:ln>
+        </p:spPr>
+        <p:style>
+          <a:lnRef idx="1">
+            <a:schemeClr val="accent1"/>
+          </a:lnRef>
+          <a:fillRef idx="0">
+            <a:schemeClr val="accent1"/>
+          </a:fillRef>
+          <a:effectRef idx="0">
+            <a:schemeClr val="accent1"/>
+          </a:effectRef>
+          <a:fontRef idx="minor">
+            <a:schemeClr val="tx1"/>
+          </a:fontRef>
+        </p:style>
+      </p:cxnSp>
+      <p:cxnSp>
+        <p:nvCxnSpPr>
+          <p:cNvPr id="35" name="Connecteur en arc 34"/>
+          <p:cNvCxnSpPr>
+            <a:stCxn id="26" idx="0"/>
+            <a:endCxn id="15" idx="0"/>
+          </p:cNvCxnSpPr>
+          <p:nvPr/>
+        </p:nvCxnSpPr>
+        <p:spPr>
+          <a:xfrm rot="16200000" flipH="1" flipV="1">
+            <a:off x="8330161" y="170593"/>
+            <a:ext cx="13042" cy="4769700"/>
+          </a:xfrm>
+          <a:prstGeom prst="curvedConnector3">
+            <a:avLst>
+              <a:gd name="adj1" fmla="val -1752799"/>
+            </a:avLst>
+          </a:prstGeom>
+          <a:ln>
+            <a:tailEnd type="triangle"/>
+          </a:ln>
+        </p:spPr>
+        <p:style>
+          <a:lnRef idx="1">
+            <a:schemeClr val="accent1"/>
+          </a:lnRef>
+          <a:fillRef idx="0">
+            <a:schemeClr val="accent1"/>
+          </a:fillRef>
+          <a:effectRef idx="0">
+            <a:schemeClr val="accent1"/>
+          </a:effectRef>
+          <a:fontRef idx="minor">
+            <a:schemeClr val="tx1"/>
+          </a:fontRef>
+        </p:style>
+      </p:cxnSp>
+      <p:sp>
+        <p:nvSpPr>
+          <p:cNvPr id="38" name="ZoneTexte 37"/>
+          <p:cNvSpPr txBox="1"/>
+          <p:nvPr/>
+        </p:nvSpPr>
+        <p:spPr>
+          <a:xfrm>
+            <a:off x="3420758" y="2561964"/>
+            <a:ext cx="292447" cy="369332"/>
+          </a:xfrm>
+          <a:prstGeom prst="rect">
+            <a:avLst/>
+          </a:prstGeom>
+          <a:noFill/>
+        </p:spPr>
+        <p:txBody>
+          <a:bodyPr wrap="square" rtlCol="0">
+            <a:spAutoFit/>
+          </a:bodyPr>
+          <a:lstStyle/>
+          <a:p>
+            <a:r>
+              <a:rPr lang="fr-FR" dirty="0" smtClean="0"/>
+              <a:t>0</a:t>
+            </a:r>
+            <a:endParaRPr lang="fr-FR" dirty="0"/>
+          </a:p>
+        </p:txBody>
+      </p:sp>
+      <p:sp>
+        <p:nvSpPr>
+          <p:cNvPr id="39" name="ZoneTexte 38"/>
+          <p:cNvSpPr txBox="1"/>
+          <p:nvPr/>
+        </p:nvSpPr>
+        <p:spPr>
+          <a:xfrm>
+            <a:off x="4983884" y="2568831"/>
+            <a:ext cx="292447" cy="369332"/>
+          </a:xfrm>
+          <a:prstGeom prst="rect">
+            <a:avLst/>
+          </a:prstGeom>
+          <a:noFill/>
+        </p:spPr>
+        <p:txBody>
+          <a:bodyPr wrap="square" rtlCol="0">
+            <a:spAutoFit/>
+          </a:bodyPr>
+          <a:lstStyle/>
+          <a:p>
+            <a:r>
+              <a:rPr lang="fr-FR" dirty="0" smtClean="0"/>
+              <a:t>1</a:t>
+            </a:r>
+            <a:endParaRPr lang="fr-FR" dirty="0"/>
+          </a:p>
+        </p:txBody>
+      </p:sp>
+      <p:sp>
+        <p:nvSpPr>
+          <p:cNvPr id="40" name="ZoneTexte 39"/>
+          <p:cNvSpPr txBox="1"/>
+          <p:nvPr/>
+        </p:nvSpPr>
+        <p:spPr>
+          <a:xfrm rot="18358057">
+            <a:off x="4752354" y="3071623"/>
+            <a:ext cx="648738" cy="369332"/>
+          </a:xfrm>
+          <a:prstGeom prst="rect">
+            <a:avLst/>
+          </a:prstGeom>
+          <a:noFill/>
+        </p:spPr>
+        <p:txBody>
+          <a:bodyPr wrap="square" rtlCol="0">
+            <a:spAutoFit/>
+          </a:bodyPr>
+          <a:lstStyle/>
+          <a:p>
+            <a:r>
+              <a:rPr lang="fr-FR" dirty="0" smtClean="0"/>
+              <a:t>1 bis</a:t>
+            </a:r>
+            <a:endParaRPr lang="fr-FR" dirty="0"/>
+          </a:p>
+        </p:txBody>
+      </p:sp>
+      <p:sp>
+        <p:nvSpPr>
+          <p:cNvPr id="41" name="ZoneTexte 40"/>
+          <p:cNvSpPr txBox="1"/>
+          <p:nvPr/>
+        </p:nvSpPr>
+        <p:spPr>
+          <a:xfrm>
+            <a:off x="6619094" y="2571572"/>
+            <a:ext cx="292447" cy="369332"/>
+          </a:xfrm>
+          <a:prstGeom prst="rect">
+            <a:avLst/>
+          </a:prstGeom>
+          <a:noFill/>
+        </p:spPr>
+        <p:txBody>
+          <a:bodyPr wrap="square" rtlCol="0">
+            <a:spAutoFit/>
+          </a:bodyPr>
+          <a:lstStyle/>
+          <a:p>
+            <a:r>
+              <a:rPr lang="fr-FR" dirty="0" smtClean="0"/>
+              <a:t>2</a:t>
+            </a:r>
+            <a:endParaRPr lang="fr-FR" dirty="0"/>
+          </a:p>
+        </p:txBody>
+      </p:sp>
+      <p:sp>
+        <p:nvSpPr>
+          <p:cNvPr id="42" name="ZoneTexte 41"/>
+          <p:cNvSpPr txBox="1"/>
+          <p:nvPr/>
+        </p:nvSpPr>
+        <p:spPr>
+          <a:xfrm>
+            <a:off x="8171923" y="2515969"/>
+            <a:ext cx="292447" cy="369332"/>
+          </a:xfrm>
+          <a:prstGeom prst="rect">
+            <a:avLst/>
+          </a:prstGeom>
+          <a:noFill/>
+        </p:spPr>
+        <p:txBody>
+          <a:bodyPr wrap="square" rtlCol="0">
+            <a:spAutoFit/>
+          </a:bodyPr>
+          <a:lstStyle/>
+          <a:p>
+            <a:r>
+              <a:rPr lang="fr-FR" dirty="0" smtClean="0"/>
+              <a:t>3</a:t>
+            </a:r>
+            <a:endParaRPr lang="fr-FR" dirty="0"/>
+          </a:p>
+        </p:txBody>
+      </p:sp>
+      <p:sp>
+        <p:nvSpPr>
+          <p:cNvPr id="43" name="ZoneTexte 42"/>
+          <p:cNvSpPr txBox="1"/>
+          <p:nvPr/>
+        </p:nvSpPr>
+        <p:spPr>
+          <a:xfrm>
+            <a:off x="9786535" y="2546168"/>
+            <a:ext cx="292447" cy="369332"/>
+          </a:xfrm>
+          <a:prstGeom prst="rect">
+            <a:avLst/>
+          </a:prstGeom>
+          <a:noFill/>
+        </p:spPr>
+        <p:txBody>
+          <a:bodyPr wrap="square" rtlCol="0">
+            <a:spAutoFit/>
+          </a:bodyPr>
+          <a:lstStyle/>
+          <a:p>
+            <a:r>
+              <a:rPr lang="fr-FR" dirty="0" smtClean="0"/>
+              <a:t>4</a:t>
+            </a:r>
+            <a:endParaRPr lang="fr-FR" dirty="0"/>
+          </a:p>
+        </p:txBody>
+      </p:sp>
+      <p:sp>
+        <p:nvSpPr>
+          <p:cNvPr id="44" name="ZoneTexte 43"/>
+          <p:cNvSpPr txBox="1"/>
+          <p:nvPr/>
+        </p:nvSpPr>
+        <p:spPr>
+          <a:xfrm>
+            <a:off x="8213111" y="1926556"/>
+            <a:ext cx="292447" cy="369332"/>
+          </a:xfrm>
+          <a:prstGeom prst="rect">
+            <a:avLst/>
+          </a:prstGeom>
+          <a:noFill/>
+        </p:spPr>
+        <p:txBody>
+          <a:bodyPr wrap="square" rtlCol="0">
+            <a:spAutoFit/>
+          </a:bodyPr>
+          <a:lstStyle/>
+          <a:p>
+            <a:r>
+              <a:rPr lang="fr-FR" dirty="0" smtClean="0"/>
+              <a:t>5</a:t>
+            </a:r>
+            <a:endParaRPr lang="fr-FR" dirty="0"/>
+          </a:p>
+        </p:txBody>
+      </p:sp>
+    </p:spTree>
+    <p:extLst>
+      <p:ext uri="{BB962C8B-B14F-4D97-AF65-F5344CB8AC3E}">
+        <p14:creationId xmlns:p14="http://schemas.microsoft.com/office/powerpoint/2010/main" val="560771989"/>
+      </p:ext>
+    </p:extLst>
+  </p:cSld>
+  <p:clrMapOvr>
+    <a:masterClrMapping/>
+  </p:clrMapOvr>
+</p:sld>
+</file>
+
+<file path=ppt/slides/slide7.xml><?xml version="1.0" encoding="utf-8"?>
+<p:sld xmlns:a="http://schemas.openxmlformats.org/drawingml/2006/main" xmlns:r="http://schemas.openxmlformats.org/officeDocument/2006/relationships" xmlns:p="http://schemas.openxmlformats.org/presentationml/2006/main">
+  <p:cSld>
+    <p:spTree>
+      <p:nvGrpSpPr>
+        <p:cNvPr id="1" name=""/>
+        <p:cNvGrpSpPr/>
+        <p:nvPr/>
+      </p:nvGrpSpPr>
+      <p:grpSpPr>
+        <a:xfrm>
+          <a:off x="0" y="0"/>
+          <a:ext cx="0" cy="0"/>
+          <a:chOff x="0" y="0"/>
+          <a:chExt cx="0" cy="0"/>
+        </a:xfrm>
+      </p:grpSpPr>
+      <p:sp>
+        <p:nvSpPr>
+          <p:cNvPr id="2" name="Titre 1"/>
+          <p:cNvSpPr>
+            <a:spLocks noGrp="1"/>
+          </p:cNvSpPr>
+          <p:nvPr>
+            <p:ph type="title"/>
+          </p:nvPr>
+        </p:nvSpPr>
+        <p:spPr/>
+        <p:txBody>
+          <a:bodyPr/>
+          <a:lstStyle/>
+          <a:p>
+            <a:r>
+              <a:rPr lang="fr-FR" dirty="0" smtClean="0"/>
+              <a:t>0. Accès serveur </a:t>
+            </a:r>
+            <a:r>
+              <a:rPr lang="fr-FR" dirty="0" smtClean="0">
+                <a:sym typeface="Wingdings" panose="05000000000000000000" pitchFamily="2" charset="2"/>
+              </a:rPr>
+              <a:t> Connexion</a:t>
+            </a:r>
+            <a:endParaRPr lang="fr-FR" dirty="0"/>
+          </a:p>
+        </p:txBody>
+      </p:sp>
+      <p:sp>
+        <p:nvSpPr>
+          <p:cNvPr id="3" name="Espace réservé du contenu 2"/>
+          <p:cNvSpPr>
+            <a:spLocks noGrp="1"/>
+          </p:cNvSpPr>
+          <p:nvPr>
+            <p:ph idx="1"/>
+          </p:nvPr>
+        </p:nvSpPr>
+        <p:spPr/>
+        <p:txBody>
+          <a:bodyPr/>
+          <a:lstStyle/>
+          <a:p>
+            <a:r>
+              <a:rPr lang="fr-FR" dirty="0" smtClean="0"/>
+              <a:t>Création du socket, simple connexion au serveur</a:t>
+            </a:r>
+            <a:endParaRPr lang="fr-FR" dirty="0"/>
+          </a:p>
+        </p:txBody>
+      </p:sp>
+    </p:spTree>
+    <p:extLst>
+      <p:ext uri="{BB962C8B-B14F-4D97-AF65-F5344CB8AC3E}">
+        <p14:creationId xmlns:p14="http://schemas.microsoft.com/office/powerpoint/2010/main" val="411137492"/>
+      </p:ext>
+    </p:extLst>
+  </p:cSld>
+  <p:clrMapOvr>
+    <a:masterClrMapping/>
+  </p:clrMapOvr>
+</p:sld>
+</file>
+
+<file path=ppt/slides/slide8.xml><?xml version="1.0" encoding="utf-8"?>
+<p:sld xmlns:a="http://schemas.openxmlformats.org/drawingml/2006/main" xmlns:r="http://schemas.openxmlformats.org/officeDocument/2006/relationships" xmlns:p="http://schemas.openxmlformats.org/presentationml/2006/main">
+  <p:cSld>
+    <p:spTree>
+      <p:nvGrpSpPr>
+        <p:cNvPr id="1" name=""/>
+        <p:cNvGrpSpPr/>
+        <p:nvPr/>
+      </p:nvGrpSpPr>
+      <p:grpSpPr>
+        <a:xfrm>
+          <a:off x="0" y="0"/>
+          <a:ext cx="0" cy="0"/>
+          <a:chOff x="0" y="0"/>
+          <a:chExt cx="0" cy="0"/>
+        </a:xfrm>
+      </p:grpSpPr>
+      <p:sp>
+        <p:nvSpPr>
+          <p:cNvPr id="2" name="Titre 1"/>
+          <p:cNvSpPr>
+            <a:spLocks noGrp="1"/>
+          </p:cNvSpPr>
+          <p:nvPr>
+            <p:ph type="title"/>
+          </p:nvPr>
+        </p:nvSpPr>
+        <p:spPr/>
+        <p:txBody>
+          <a:bodyPr/>
+          <a:lstStyle/>
+          <a:p>
+            <a:r>
+              <a:rPr lang="fr-FR" dirty="0" smtClean="0"/>
+              <a:t>1. Connexion </a:t>
+            </a:r>
+            <a:r>
+              <a:rPr lang="fr-FR" dirty="0" smtClean="0">
+                <a:sym typeface="Wingdings" panose="05000000000000000000" pitchFamily="2" charset="2"/>
+              </a:rPr>
+              <a:t> Accueil</a:t>
+            </a:r>
+            <a:endParaRPr lang="fr-FR" dirty="0"/>
+          </a:p>
+        </p:txBody>
+      </p:sp>
+      <p:sp>
+        <p:nvSpPr>
+          <p:cNvPr id="3" name="Espace réservé du contenu 2"/>
+          <p:cNvSpPr>
+            <a:spLocks noGrp="1"/>
+          </p:cNvSpPr>
+          <p:nvPr>
+            <p:ph idx="1"/>
+          </p:nvPr>
+        </p:nvSpPr>
+        <p:spPr/>
+        <p:txBody>
+          <a:bodyPr/>
+          <a:lstStyle/>
+          <a:p>
+            <a:pPr marL="514350" indent="-514350">
+              <a:buFont typeface="+mj-lt"/>
+              <a:buAutoNum type="arabicPeriod"/>
+            </a:pPr>
+            <a:r>
+              <a:rPr lang="fr-FR" dirty="0" smtClean="0"/>
+              <a:t>Envoi d’un paquet contenant pseudo et mot de passe vers le serveur</a:t>
+            </a:r>
+          </a:p>
+          <a:p>
+            <a:pPr marL="514350" indent="-514350">
+              <a:buFont typeface="+mj-lt"/>
+              <a:buAutoNum type="arabicPeriod"/>
+            </a:pPr>
+            <a:r>
+              <a:rPr lang="fr-FR" dirty="0" smtClean="0"/>
+              <a:t>Le serveur renvoi le paquet avec les informations relatives à la connexion (mot de passe mauvais, pseudo inexistant et l’acceptation ou non par le serveur)</a:t>
+            </a:r>
+            <a:endParaRPr lang="fr-FR" dirty="0"/>
+          </a:p>
+        </p:txBody>
+      </p:sp>
+    </p:spTree>
+    <p:extLst>
+      <p:ext uri="{BB962C8B-B14F-4D97-AF65-F5344CB8AC3E}">
+        <p14:creationId xmlns:p14="http://schemas.microsoft.com/office/powerpoint/2010/main" val="1417249505"/>
+      </p:ext>
+    </p:extLst>
+  </p:cSld>
+  <p:clrMapOvr>
+    <a:masterClrMapping/>
+  </p:clrMapOvr>
+</p:sld>
+</file>
+
+<file path=ppt/slides/slide9.xml><?xml version="1.0" encoding="utf-8"?>
+<p:sld xmlns:a="http://schemas.openxmlformats.org/drawingml/2006/main" xmlns:r="http://schemas.openxmlformats.org/officeDocument/2006/relationships" xmlns:p="http://schemas.openxmlformats.org/presentationml/2006/main">
+  <p:cSld>
+    <p:spTree>
+      <p:nvGrpSpPr>
+        <p:cNvPr id="1" name=""/>
+        <p:cNvGrpSpPr/>
+        <p:nvPr/>
+      </p:nvGrpSpPr>
+      <p:grpSpPr>
+        <a:xfrm>
+          <a:off x="0" y="0"/>
+          <a:ext cx="0" cy="0"/>
+          <a:chOff x="0" y="0"/>
+          <a:chExt cx="0" cy="0"/>
+        </a:xfrm>
+      </p:grpSpPr>
+      <p:sp>
+        <p:nvSpPr>
+          <p:cNvPr id="2" name="Titre 1"/>
+          <p:cNvSpPr>
+            <a:spLocks noGrp="1"/>
+          </p:cNvSpPr>
+          <p:nvPr>
+            <p:ph type="title"/>
+          </p:nvPr>
+        </p:nvSpPr>
+        <p:spPr/>
+        <p:txBody>
+          <a:bodyPr/>
+          <a:lstStyle/>
+          <a:p>
+            <a:r>
+              <a:rPr lang="fr-FR" dirty="0" smtClean="0"/>
+              <a:t>1 bis. Inscription </a:t>
+            </a:r>
+            <a:r>
+              <a:rPr lang="fr-FR" dirty="0" smtClean="0">
+                <a:sym typeface="Wingdings" panose="05000000000000000000" pitchFamily="2" charset="2"/>
+              </a:rPr>
+              <a:t> Accueil</a:t>
+            </a:r>
+            <a:endParaRPr lang="fr-FR" dirty="0"/>
+          </a:p>
+        </p:txBody>
+      </p:sp>
+      <p:sp>
+        <p:nvSpPr>
+          <p:cNvPr id="3" name="Espace réservé du contenu 2"/>
+          <p:cNvSpPr>
+            <a:spLocks noGrp="1"/>
+          </p:cNvSpPr>
+          <p:nvPr>
+            <p:ph idx="1"/>
+          </p:nvPr>
+        </p:nvSpPr>
+        <p:spPr/>
+        <p:txBody>
+          <a:bodyPr/>
+          <a:lstStyle/>
+          <a:p>
+            <a:pPr marL="514350" indent="-514350">
+              <a:buFont typeface="+mj-lt"/>
+              <a:buAutoNum type="arabicPeriod"/>
+            </a:pPr>
+            <a:r>
+              <a:rPr lang="fr-FR" dirty="0" smtClean="0"/>
+              <a:t>Envoi d’un paquet contenant pseudo et mot de passe vers le serveur</a:t>
+            </a:r>
+          </a:p>
+          <a:p>
+            <a:pPr marL="514350" indent="-514350">
+              <a:buFont typeface="+mj-lt"/>
+              <a:buAutoNum type="arabicPeriod"/>
+            </a:pPr>
+            <a:r>
+              <a:rPr lang="fr-FR" dirty="0" smtClean="0"/>
+              <a:t>Le serveur renvoi le paquet avec les informations relatives à l’inscription (mots de passe non égaux, pseudo déjà utilisé et l’acceptation ou non par le serveur)</a:t>
+            </a:r>
+            <a:endParaRPr lang="fr-FR" dirty="0"/>
+          </a:p>
+        </p:txBody>
+      </p:sp>
+    </p:spTree>
+    <p:extLst>
+      <p:ext uri="{BB962C8B-B14F-4D97-AF65-F5344CB8AC3E}">
+        <p14:creationId xmlns:p14="http://schemas.microsoft.com/office/powerpoint/2010/main" val="3915649086"/>
       </p:ext>
     </p:extLst>
   </p:cSld>
